--- a/materials/slides/ch14.pptx
+++ b/materials/slides/ch14.pptx
@@ -122,6 +122,36 @@
       </a:defRPr>
     </a:lvl9pPr>
   </p:defaultTextStyle>
+  <p:extLst>
+    <p:ext uri="{EFAFB233-063F-42B5-8137-9DF3F51BA10A}">
+      <p15:sldGuideLst xmlns:p15="http://schemas.microsoft.com/office/powerpoint/2012/main">
+        <p15:guide id="1" orient="horz" pos="2160">
+          <p15:clr>
+            <a:srgbClr val="A4A3A4"/>
+          </p15:clr>
+        </p15:guide>
+        <p15:guide id="2" pos="2880">
+          <p15:clr>
+            <a:srgbClr val="A4A3A4"/>
+          </p15:clr>
+        </p15:guide>
+      </p15:sldGuideLst>
+    </p:ext>
+    <p:ext uri="{2D200454-40CA-4A62-9FC3-DE9A4176ACB9}">
+      <p15:notesGuideLst xmlns:p15="http://schemas.microsoft.com/office/powerpoint/2012/main">
+        <p15:guide id="1" orient="horz" pos="2880">
+          <p15:clr>
+            <a:srgbClr val="A4A3A4"/>
+          </p15:clr>
+        </p15:guide>
+        <p15:guide id="2" pos="2160">
+          <p15:clr>
+            <a:srgbClr val="A4A3A4"/>
+          </p15:clr>
+        </p15:guide>
+      </p15:notesGuideLst>
+    </p:ext>
+  </p:extLst>
 </p:presentation>
 </file>
 
@@ -207,7 +237,7 @@
           <a:p>
             <a:fld id="{A097A4FE-15A4-4468-9890-CEB24014ACB3}" type="datetimeFigureOut">
               <a:rPr lang="zh-CN" altLang="en-US" smtClean="0"/>
-              <a:t>2013/3/21</a:t>
+              <a:t>2018/4/25</a:t>
             </a:fld>
             <a:endParaRPr lang="zh-CN" altLang="en-US"/>
           </a:p>
@@ -940,37 +970,6 @@
               <a:t>单击此处编辑母版标题样式</a:t>
             </a:r>
             <a:endParaRPr lang="zh-CN" altLang="en-US" dirty="0"/>
-          </a:p>
-        </p:txBody>
-      </p:sp>
-      <p:sp>
-        <p:nvSpPr>
-          <p:cNvPr id="4" name="日期占位符 3"/>
-          <p:cNvSpPr>
-            <a:spLocks noGrp="1"/>
-          </p:cNvSpPr>
-          <p:nvPr>
-            <p:ph type="dt" sz="half" idx="10"/>
-          </p:nvPr>
-        </p:nvSpPr>
-        <p:spPr>
-          <a:xfrm>
-            <a:off x="457200" y="6356350"/>
-            <a:ext cx="2133600" cy="365125"/>
-          </a:xfrm>
-          <a:prstGeom prst="rect">
-            <a:avLst/>
-          </a:prstGeom>
-        </p:spPr>
-        <p:txBody>
-          <a:bodyPr/>
-          <a:lstStyle/>
-          <a:p>
-            <a:fld id="{530820CF-B880-4189-942D-D702A7CBA730}" type="datetimeFigureOut">
-              <a:rPr lang="zh-CN" altLang="en-US" smtClean="0"/>
-              <a:t>2013/3/21</a:t>
-            </a:fld>
-            <a:endParaRPr lang="zh-CN" altLang="en-US"/>
           </a:p>
         </p:txBody>
       </p:sp>
@@ -1295,37 +1294,6 @@
       </p:sp>
       <p:sp>
         <p:nvSpPr>
-          <p:cNvPr id="4" name="日期占位符 3"/>
-          <p:cNvSpPr>
-            <a:spLocks noGrp="1"/>
-          </p:cNvSpPr>
-          <p:nvPr>
-            <p:ph type="dt" sz="half" idx="10"/>
-          </p:nvPr>
-        </p:nvSpPr>
-        <p:spPr>
-          <a:xfrm>
-            <a:off x="457200" y="6356350"/>
-            <a:ext cx="2133600" cy="365125"/>
-          </a:xfrm>
-          <a:prstGeom prst="rect">
-            <a:avLst/>
-          </a:prstGeom>
-        </p:spPr>
-        <p:txBody>
-          <a:bodyPr/>
-          <a:lstStyle/>
-          <a:p>
-            <a:fld id="{530820CF-B880-4189-942D-D702A7CBA730}" type="datetimeFigureOut">
-              <a:rPr lang="zh-CN" altLang="en-US" smtClean="0"/>
-              <a:t>2013/3/21</a:t>
-            </a:fld>
-            <a:endParaRPr lang="zh-CN" altLang="en-US"/>
-          </a:p>
-        </p:txBody>
-      </p:sp>
-      <p:sp>
-        <p:nvSpPr>
           <p:cNvPr id="5" name="页脚占位符 4"/>
           <p:cNvSpPr>
             <a:spLocks noGrp="1"/>
@@ -1379,79 +1347,6 @@
               <a:t>‹#›</a:t>
             </a:fld>
             <a:endParaRPr lang="zh-CN" altLang="en-US"/>
-          </a:p>
-        </p:txBody>
-      </p:sp>
-      <p:sp>
-        <p:nvSpPr>
-          <p:cNvPr id="9" name="TextBox 8"/>
-          <p:cNvSpPr txBox="1"/>
-          <p:nvPr userDrawn="1"/>
-        </p:nvSpPr>
-        <p:spPr>
-          <a:xfrm>
-            <a:off x="455151" y="6453336"/>
-            <a:ext cx="1308537" cy="307777"/>
-          </a:xfrm>
-          <a:prstGeom prst="rect">
-            <a:avLst/>
-          </a:prstGeom>
-          <a:noFill/>
-        </p:spPr>
-        <p:txBody>
-          <a:bodyPr wrap="square" rtlCol="0">
-            <a:spAutoFit/>
-          </a:bodyPr>
-          <a:lstStyle/>
-          <a:p>
-            <a:fld id="{18F85060-ECBA-4819-8A50-E8E39B7E2F3D}" type="datetime1">
-              <a:rPr lang="zh-CN" altLang="en-US" sz="1400" smtClean="0">
-                <a:latin typeface="微软雅黑" pitchFamily="34" charset="-122"/>
-                <a:ea typeface="微软雅黑" pitchFamily="34" charset="-122"/>
-              </a:rPr>
-              <a:t>2013/3/21</a:t>
-            </a:fld>
-            <a:endParaRPr lang="zh-CN" altLang="en-US" sz="1400" dirty="0">
-              <a:latin typeface="微软雅黑" pitchFamily="34" charset="-122"/>
-              <a:ea typeface="微软雅黑" pitchFamily="34" charset="-122"/>
-            </a:endParaRPr>
-          </a:p>
-        </p:txBody>
-      </p:sp>
-      <p:sp>
-        <p:nvSpPr>
-          <p:cNvPr id="10" name="TextBox 9"/>
-          <p:cNvSpPr txBox="1"/>
-          <p:nvPr userDrawn="1"/>
-        </p:nvSpPr>
-        <p:spPr>
-          <a:xfrm>
-            <a:off x="7596337" y="6453335"/>
-            <a:ext cx="864095" cy="307777"/>
-          </a:xfrm>
-          <a:prstGeom prst="rect">
-            <a:avLst/>
-          </a:prstGeom>
-          <a:noFill/>
-        </p:spPr>
-        <p:txBody>
-          <a:bodyPr wrap="square" rtlCol="0">
-            <a:spAutoFit/>
-          </a:bodyPr>
-          <a:lstStyle/>
-          <a:p>
-            <a:pPr algn="ctr"/>
-            <a:r>
-              <a:rPr lang="zh-CN" altLang="en-US" sz="1400" dirty="0" smtClean="0">
-                <a:latin typeface="微软雅黑" pitchFamily="34" charset="-122"/>
-                <a:ea typeface="微软雅黑" pitchFamily="34" charset="-122"/>
-              </a:rPr>
-              <a:t>武永亮</a:t>
-            </a:r>
-            <a:endParaRPr lang="zh-CN" altLang="en-US" sz="1400" dirty="0">
-              <a:latin typeface="微软雅黑" pitchFamily="34" charset="-122"/>
-              <a:ea typeface="微软雅黑" pitchFamily="34" charset="-122"/>
-            </a:endParaRPr>
           </a:p>
         </p:txBody>
       </p:sp>
@@ -1825,37 +1720,6 @@
       </p:sp>
       <p:sp>
         <p:nvSpPr>
-          <p:cNvPr id="4" name="日期占位符 3"/>
-          <p:cNvSpPr>
-            <a:spLocks noGrp="1"/>
-          </p:cNvSpPr>
-          <p:nvPr>
-            <p:ph type="dt" sz="half" idx="10"/>
-          </p:nvPr>
-        </p:nvSpPr>
-        <p:spPr>
-          <a:xfrm>
-            <a:off x="457200" y="6356350"/>
-            <a:ext cx="2133600" cy="365125"/>
-          </a:xfrm>
-          <a:prstGeom prst="rect">
-            <a:avLst/>
-          </a:prstGeom>
-        </p:spPr>
-        <p:txBody>
-          <a:bodyPr/>
-          <a:lstStyle/>
-          <a:p>
-            <a:fld id="{530820CF-B880-4189-942D-D702A7CBA730}" type="datetimeFigureOut">
-              <a:rPr lang="zh-CN" altLang="en-US" smtClean="0"/>
-              <a:t>2013/3/21</a:t>
-            </a:fld>
-            <a:endParaRPr lang="zh-CN" altLang="en-US"/>
-          </a:p>
-        </p:txBody>
-      </p:sp>
-      <p:sp>
-        <p:nvSpPr>
           <p:cNvPr id="5" name="页脚占位符 4"/>
           <p:cNvSpPr>
             <a:spLocks noGrp="1"/>
@@ -1909,79 +1773,6 @@
               <a:t>‹#›</a:t>
             </a:fld>
             <a:endParaRPr lang="zh-CN" altLang="en-US"/>
-          </a:p>
-        </p:txBody>
-      </p:sp>
-      <p:sp>
-        <p:nvSpPr>
-          <p:cNvPr id="9" name="TextBox 8"/>
-          <p:cNvSpPr txBox="1"/>
-          <p:nvPr userDrawn="1"/>
-        </p:nvSpPr>
-        <p:spPr>
-          <a:xfrm>
-            <a:off x="455151" y="6453336"/>
-            <a:ext cx="1380545" cy="307777"/>
-          </a:xfrm>
-          <a:prstGeom prst="rect">
-            <a:avLst/>
-          </a:prstGeom>
-          <a:noFill/>
-        </p:spPr>
-        <p:txBody>
-          <a:bodyPr wrap="square" rtlCol="0">
-            <a:spAutoFit/>
-          </a:bodyPr>
-          <a:lstStyle/>
-          <a:p>
-            <a:fld id="{18F85060-ECBA-4819-8A50-E8E39B7E2F3D}" type="datetime1">
-              <a:rPr lang="zh-CN" altLang="en-US" sz="1400" smtClean="0">
-                <a:latin typeface="微软雅黑" pitchFamily="34" charset="-122"/>
-                <a:ea typeface="微软雅黑" pitchFamily="34" charset="-122"/>
-              </a:rPr>
-              <a:t>2013/3/21</a:t>
-            </a:fld>
-            <a:endParaRPr lang="zh-CN" altLang="en-US" sz="1400" dirty="0">
-              <a:latin typeface="微软雅黑" pitchFamily="34" charset="-122"/>
-              <a:ea typeface="微软雅黑" pitchFamily="34" charset="-122"/>
-            </a:endParaRPr>
-          </a:p>
-        </p:txBody>
-      </p:sp>
-      <p:sp>
-        <p:nvSpPr>
-          <p:cNvPr id="10" name="TextBox 9"/>
-          <p:cNvSpPr txBox="1"/>
-          <p:nvPr userDrawn="1"/>
-        </p:nvSpPr>
-        <p:spPr>
-          <a:xfrm>
-            <a:off x="7596337" y="6453335"/>
-            <a:ext cx="864095" cy="307777"/>
-          </a:xfrm>
-          <a:prstGeom prst="rect">
-            <a:avLst/>
-          </a:prstGeom>
-          <a:noFill/>
-        </p:spPr>
-        <p:txBody>
-          <a:bodyPr wrap="square" rtlCol="0">
-            <a:spAutoFit/>
-          </a:bodyPr>
-          <a:lstStyle/>
-          <a:p>
-            <a:pPr algn="ctr"/>
-            <a:r>
-              <a:rPr lang="zh-CN" altLang="en-US" sz="1400" dirty="0" smtClean="0">
-                <a:latin typeface="微软雅黑" pitchFamily="34" charset="-122"/>
-                <a:ea typeface="微软雅黑" pitchFamily="34" charset="-122"/>
-              </a:rPr>
-              <a:t>武永亮</a:t>
-            </a:r>
-            <a:endParaRPr lang="zh-CN" altLang="en-US" sz="1400" dirty="0">
-              <a:latin typeface="微软雅黑" pitchFamily="34" charset="-122"/>
-              <a:ea typeface="微软雅黑" pitchFamily="34" charset="-122"/>
-            </a:endParaRPr>
           </a:p>
         </p:txBody>
       </p:sp>
@@ -2134,37 +1925,6 @@
       </p:grpSpPr>
       <p:sp>
         <p:nvSpPr>
-          <p:cNvPr id="2" name="日期占位符 1"/>
-          <p:cNvSpPr>
-            <a:spLocks noGrp="1"/>
-          </p:cNvSpPr>
-          <p:nvPr>
-            <p:ph type="dt" sz="half" idx="10"/>
-          </p:nvPr>
-        </p:nvSpPr>
-        <p:spPr>
-          <a:xfrm>
-            <a:off x="457200" y="6356350"/>
-            <a:ext cx="2133600" cy="365125"/>
-          </a:xfrm>
-          <a:prstGeom prst="rect">
-            <a:avLst/>
-          </a:prstGeom>
-        </p:spPr>
-        <p:txBody>
-          <a:bodyPr/>
-          <a:lstStyle/>
-          <a:p>
-            <a:fld id="{530820CF-B880-4189-942D-D702A7CBA730}" type="datetimeFigureOut">
-              <a:rPr lang="zh-CN" altLang="en-US" smtClean="0"/>
-              <a:t>2013/3/21</a:t>
-            </a:fld>
-            <a:endParaRPr lang="zh-CN" altLang="en-US"/>
-          </a:p>
-        </p:txBody>
-      </p:sp>
-      <p:sp>
-        <p:nvSpPr>
           <p:cNvPr id="3" name="页脚占位符 2"/>
           <p:cNvSpPr>
             <a:spLocks noGrp="1"/>
@@ -2258,37 +2018,6 @@
           <a:chExt cx="0" cy="0"/>
         </a:xfrm>
       </p:grpSpPr>
-      <p:sp>
-        <p:nvSpPr>
-          <p:cNvPr id="4" name="日期占位符 3"/>
-          <p:cNvSpPr>
-            <a:spLocks noGrp="1"/>
-          </p:cNvSpPr>
-          <p:nvPr>
-            <p:ph type="dt" sz="half" idx="10"/>
-          </p:nvPr>
-        </p:nvSpPr>
-        <p:spPr>
-          <a:xfrm>
-            <a:off x="457200" y="6356350"/>
-            <a:ext cx="2133600" cy="365125"/>
-          </a:xfrm>
-          <a:prstGeom prst="rect">
-            <a:avLst/>
-          </a:prstGeom>
-        </p:spPr>
-        <p:txBody>
-          <a:bodyPr/>
-          <a:lstStyle/>
-          <a:p>
-            <a:fld id="{530820CF-B880-4189-942D-D702A7CBA730}" type="datetimeFigureOut">
-              <a:rPr lang="zh-CN" altLang="en-US" smtClean="0"/>
-              <a:t>2013/3/21</a:t>
-            </a:fld>
-            <a:endParaRPr lang="zh-CN" altLang="en-US"/>
-          </a:p>
-        </p:txBody>
-      </p:sp>
       <p:sp>
         <p:nvSpPr>
           <p:cNvPr id="5" name="页脚占位符 4"/>
@@ -2829,37 +2558,6 @@
       </p:sp>
       <p:sp>
         <p:nvSpPr>
-          <p:cNvPr id="4" name="日期占位符 3"/>
-          <p:cNvSpPr>
-            <a:spLocks noGrp="1"/>
-          </p:cNvSpPr>
-          <p:nvPr>
-            <p:ph type="dt" sz="half" idx="10"/>
-          </p:nvPr>
-        </p:nvSpPr>
-        <p:spPr>
-          <a:xfrm>
-            <a:off x="457200" y="6356350"/>
-            <a:ext cx="2133600" cy="365125"/>
-          </a:xfrm>
-          <a:prstGeom prst="rect">
-            <a:avLst/>
-          </a:prstGeom>
-        </p:spPr>
-        <p:txBody>
-          <a:bodyPr/>
-          <a:lstStyle/>
-          <a:p>
-            <a:fld id="{530820CF-B880-4189-942D-D702A7CBA730}" type="datetimeFigureOut">
-              <a:rPr lang="zh-CN" altLang="en-US" smtClean="0"/>
-              <a:t>2013/3/21</a:t>
-            </a:fld>
-            <a:endParaRPr lang="zh-CN" altLang="en-US"/>
-          </a:p>
-        </p:txBody>
-      </p:sp>
-      <p:sp>
-        <p:nvSpPr>
           <p:cNvPr id="5" name="页脚占位符 4"/>
           <p:cNvSpPr>
             <a:spLocks noGrp="1"/>
@@ -2913,79 +2611,6 @@
               <a:t>‹#›</a:t>
             </a:fld>
             <a:endParaRPr lang="zh-CN" altLang="en-US"/>
-          </a:p>
-        </p:txBody>
-      </p:sp>
-      <p:sp>
-        <p:nvSpPr>
-          <p:cNvPr id="9" name="TextBox 8"/>
-          <p:cNvSpPr txBox="1"/>
-          <p:nvPr userDrawn="1"/>
-        </p:nvSpPr>
-        <p:spPr>
-          <a:xfrm>
-            <a:off x="455151" y="6453336"/>
-            <a:ext cx="1308537" cy="307777"/>
-          </a:xfrm>
-          <a:prstGeom prst="rect">
-            <a:avLst/>
-          </a:prstGeom>
-          <a:noFill/>
-        </p:spPr>
-        <p:txBody>
-          <a:bodyPr wrap="square" rtlCol="0">
-            <a:spAutoFit/>
-          </a:bodyPr>
-          <a:lstStyle/>
-          <a:p>
-            <a:fld id="{18F85060-ECBA-4819-8A50-E8E39B7E2F3D}" type="datetime1">
-              <a:rPr lang="zh-CN" altLang="en-US" sz="1400" smtClean="0">
-                <a:latin typeface="微软雅黑" pitchFamily="34" charset="-122"/>
-                <a:ea typeface="微软雅黑" pitchFamily="34" charset="-122"/>
-              </a:rPr>
-              <a:t>2013/3/21</a:t>
-            </a:fld>
-            <a:endParaRPr lang="zh-CN" altLang="en-US" sz="1400" dirty="0">
-              <a:latin typeface="微软雅黑" pitchFamily="34" charset="-122"/>
-              <a:ea typeface="微软雅黑" pitchFamily="34" charset="-122"/>
-            </a:endParaRPr>
-          </a:p>
-        </p:txBody>
-      </p:sp>
-      <p:sp>
-        <p:nvSpPr>
-          <p:cNvPr id="10" name="TextBox 9"/>
-          <p:cNvSpPr txBox="1"/>
-          <p:nvPr userDrawn="1"/>
-        </p:nvSpPr>
-        <p:spPr>
-          <a:xfrm>
-            <a:off x="7596337" y="6453335"/>
-            <a:ext cx="864095" cy="307777"/>
-          </a:xfrm>
-          <a:prstGeom prst="rect">
-            <a:avLst/>
-          </a:prstGeom>
-          <a:noFill/>
-        </p:spPr>
-        <p:txBody>
-          <a:bodyPr wrap="square" rtlCol="0">
-            <a:spAutoFit/>
-          </a:bodyPr>
-          <a:lstStyle/>
-          <a:p>
-            <a:pPr algn="ctr"/>
-            <a:r>
-              <a:rPr lang="zh-CN" altLang="en-US" sz="1400" dirty="0" smtClean="0">
-                <a:latin typeface="微软雅黑" pitchFamily="34" charset="-122"/>
-                <a:ea typeface="微软雅黑" pitchFamily="34" charset="-122"/>
-              </a:rPr>
-              <a:t>武永亮</a:t>
-            </a:r>
-            <a:endParaRPr lang="zh-CN" altLang="en-US" sz="1400" dirty="0">
-              <a:latin typeface="微软雅黑" pitchFamily="34" charset="-122"/>
-              <a:ea typeface="微软雅黑" pitchFamily="34" charset="-122"/>
-            </a:endParaRPr>
           </a:p>
         </p:txBody>
       </p:sp>
@@ -3218,37 +2843,6 @@
       </p:sp>
       <p:sp>
         <p:nvSpPr>
-          <p:cNvPr id="4" name="日期占位符 3"/>
-          <p:cNvSpPr>
-            <a:spLocks noGrp="1"/>
-          </p:cNvSpPr>
-          <p:nvPr>
-            <p:ph type="dt" sz="half" idx="10"/>
-          </p:nvPr>
-        </p:nvSpPr>
-        <p:spPr>
-          <a:xfrm>
-            <a:off x="457200" y="6356350"/>
-            <a:ext cx="2133600" cy="365125"/>
-          </a:xfrm>
-          <a:prstGeom prst="rect">
-            <a:avLst/>
-          </a:prstGeom>
-        </p:spPr>
-        <p:txBody>
-          <a:bodyPr/>
-          <a:lstStyle/>
-          <a:p>
-            <a:fld id="{530820CF-B880-4189-942D-D702A7CBA730}" type="datetimeFigureOut">
-              <a:rPr lang="zh-CN" altLang="en-US" smtClean="0"/>
-              <a:t>2013/3/21</a:t>
-            </a:fld>
-            <a:endParaRPr lang="zh-CN" altLang="en-US"/>
-          </a:p>
-        </p:txBody>
-      </p:sp>
-      <p:sp>
-        <p:nvSpPr>
           <p:cNvPr id="5" name="页脚占位符 4"/>
           <p:cNvSpPr>
             <a:spLocks noGrp="1"/>
@@ -3302,42 +2896,6 @@
               <a:t>‹#›</a:t>
             </a:fld>
             <a:endParaRPr lang="zh-CN" altLang="en-US"/>
-          </a:p>
-        </p:txBody>
-      </p:sp>
-      <p:sp>
-        <p:nvSpPr>
-          <p:cNvPr id="9" name="TextBox 8"/>
-          <p:cNvSpPr txBox="1"/>
-          <p:nvPr userDrawn="1"/>
-        </p:nvSpPr>
-        <p:spPr>
-          <a:xfrm>
-            <a:off x="455151" y="6453336"/>
-            <a:ext cx="1308537" cy="307777"/>
-          </a:xfrm>
-          <a:prstGeom prst="rect">
-            <a:avLst/>
-          </a:prstGeom>
-          <a:noFill/>
-        </p:spPr>
-        <p:txBody>
-          <a:bodyPr wrap="square" rtlCol="0">
-            <a:spAutoFit/>
-          </a:bodyPr>
-          <a:lstStyle/>
-          <a:p>
-            <a:fld id="{18F85060-ECBA-4819-8A50-E8E39B7E2F3D}" type="datetime1">
-              <a:rPr lang="zh-CN" altLang="en-US" sz="1400" smtClean="0">
-                <a:latin typeface="微软雅黑" pitchFamily="34" charset="-122"/>
-                <a:ea typeface="微软雅黑" pitchFamily="34" charset="-122"/>
-              </a:rPr>
-              <a:t>2013/3/21</a:t>
-            </a:fld>
-            <a:endParaRPr lang="zh-CN" altLang="en-US" sz="1400" dirty="0">
-              <a:latin typeface="微软雅黑" pitchFamily="34" charset="-122"/>
-              <a:ea typeface="微软雅黑" pitchFamily="34" charset="-122"/>
-            </a:endParaRPr>
           </a:p>
         </p:txBody>
       </p:sp>
@@ -3876,79 +3434,6 @@
               <a:t>第五级</a:t>
             </a:r>
             <a:endParaRPr lang="zh-CN" altLang="en-US"/>
-          </a:p>
-        </p:txBody>
-      </p:sp>
-      <p:sp>
-        <p:nvSpPr>
-          <p:cNvPr id="19" name="TextBox 18"/>
-          <p:cNvSpPr txBox="1"/>
-          <p:nvPr userDrawn="1"/>
-        </p:nvSpPr>
-        <p:spPr>
-          <a:xfrm>
-            <a:off x="455151" y="6453336"/>
-            <a:ext cx="1236529" cy="307777"/>
-          </a:xfrm>
-          <a:prstGeom prst="rect">
-            <a:avLst/>
-          </a:prstGeom>
-          <a:noFill/>
-        </p:spPr>
-        <p:txBody>
-          <a:bodyPr wrap="square" rtlCol="0">
-            <a:spAutoFit/>
-          </a:bodyPr>
-          <a:lstStyle/>
-          <a:p>
-            <a:fld id="{18F85060-ECBA-4819-8A50-E8E39B7E2F3D}" type="datetime1">
-              <a:rPr lang="zh-CN" altLang="en-US" sz="1400" smtClean="0">
-                <a:latin typeface="微软雅黑" pitchFamily="34" charset="-122"/>
-                <a:ea typeface="微软雅黑" pitchFamily="34" charset="-122"/>
-              </a:rPr>
-              <a:t>2013/3/21</a:t>
-            </a:fld>
-            <a:endParaRPr lang="zh-CN" altLang="en-US" sz="1400" dirty="0">
-              <a:latin typeface="微软雅黑" pitchFamily="34" charset="-122"/>
-              <a:ea typeface="微软雅黑" pitchFamily="34" charset="-122"/>
-            </a:endParaRPr>
-          </a:p>
-        </p:txBody>
-      </p:sp>
-      <p:sp>
-        <p:nvSpPr>
-          <p:cNvPr id="20" name="TextBox 19"/>
-          <p:cNvSpPr txBox="1"/>
-          <p:nvPr userDrawn="1"/>
-        </p:nvSpPr>
-        <p:spPr>
-          <a:xfrm>
-            <a:off x="7596337" y="6453335"/>
-            <a:ext cx="864095" cy="307777"/>
-          </a:xfrm>
-          <a:prstGeom prst="rect">
-            <a:avLst/>
-          </a:prstGeom>
-          <a:noFill/>
-        </p:spPr>
-        <p:txBody>
-          <a:bodyPr wrap="square" rtlCol="0">
-            <a:spAutoFit/>
-          </a:bodyPr>
-          <a:lstStyle/>
-          <a:p>
-            <a:pPr algn="ctr"/>
-            <a:r>
-              <a:rPr lang="zh-CN" altLang="en-US" sz="1400" dirty="0" smtClean="0">
-                <a:latin typeface="微软雅黑" pitchFamily="34" charset="-122"/>
-                <a:ea typeface="微软雅黑" pitchFamily="34" charset="-122"/>
-              </a:rPr>
-              <a:t>武永亮</a:t>
-            </a:r>
-            <a:endParaRPr lang="zh-CN" altLang="en-US" sz="1400" dirty="0">
-              <a:latin typeface="微软雅黑" pitchFamily="34" charset="-122"/>
-              <a:ea typeface="微软雅黑" pitchFamily="34" charset="-122"/>
-            </a:endParaRPr>
           </a:p>
         </p:txBody>
       </p:sp>
